--- a/ppt/03-29.pptx
+++ b/ppt/03-29.pptx
@@ -6,6 +6,7 @@
   </p:sldMasterIdLst>
   <p:sldIdLst>
     <p:sldId id="257" r:id="rId2"/>
+    <p:sldId id="258" r:id="rId3"/>
   </p:sldIdLst>
   <p:sldSz cx="12192000" cy="6858000"/>
   <p:notesSz cx="6858000" cy="9144000"/>
@@ -3104,6 +3105,231 @@
 </p:sld>
 </file>
 
+<file path=ppt/slides/slide2.xml><?xml version="1.0" encoding="utf-8"?>
+<p:sld xmlns:a="http://schemas.openxmlformats.org/drawingml/2006/main" xmlns:r="http://schemas.openxmlformats.org/officeDocument/2006/relationships" xmlns:p="http://schemas.openxmlformats.org/presentationml/2006/main">
+  <p:cSld>
+    <p:spTree>
+      <p:nvGrpSpPr>
+        <p:cNvPr id="1" name=""/>
+        <p:cNvGrpSpPr/>
+        <p:nvPr/>
+      </p:nvGrpSpPr>
+      <p:grpSpPr>
+        <a:xfrm>
+          <a:off x="0" y="0"/>
+          <a:ext cx="0" cy="0"/>
+          <a:chOff x="0" y="0"/>
+          <a:chExt cx="0" cy="0"/>
+        </a:xfrm>
+      </p:grpSpPr>
+      <p:sp>
+        <p:nvSpPr>
+          <p:cNvPr id="4" name="TextBox 3"/>
+          <p:cNvSpPr txBox="1"/>
+          <p:nvPr/>
+        </p:nvSpPr>
+        <p:spPr>
+          <a:xfrm>
+            <a:off x="607101" y="352269"/>
+            <a:ext cx="1872629" cy="369332"/>
+          </a:xfrm>
+          <a:prstGeom prst="rect">
+            <a:avLst/>
+          </a:prstGeom>
+          <a:noFill/>
+        </p:spPr>
+        <p:txBody>
+          <a:bodyPr wrap="none" rtlCol="0">
+            <a:spAutoFit/>
+          </a:bodyPr>
+          <a:lstStyle/>
+          <a:p>
+            <a:r>
+              <a:rPr lang="en-US" altLang="ko-KR" dirty="0"/>
+              <a:t>UI-SJN-03-006U</a:t>
+            </a:r>
+            <a:endParaRPr lang="ko-KR" altLang="en-US" dirty="0"/>
+          </a:p>
+        </p:txBody>
+      </p:sp>
+      <p:pic>
+        <p:nvPicPr>
+          <p:cNvPr id="3" name="그림 2"/>
+          <p:cNvPicPr>
+            <a:picLocks noChangeAspect="1"/>
+          </p:cNvPicPr>
+          <p:nvPr/>
+        </p:nvPicPr>
+        <p:blipFill>
+          <a:blip r:embed="rId2"/>
+          <a:stretch>
+            <a:fillRect/>
+          </a:stretch>
+        </p:blipFill>
+        <p:spPr>
+          <a:xfrm>
+            <a:off x="678697" y="1514007"/>
+            <a:ext cx="2757332" cy="4581776"/>
+          </a:xfrm>
+          <a:prstGeom prst="rect">
+            <a:avLst/>
+          </a:prstGeom>
+        </p:spPr>
+      </p:pic>
+      <p:pic>
+        <p:nvPicPr>
+          <p:cNvPr id="6" name="그림 5"/>
+          <p:cNvPicPr>
+            <a:picLocks noChangeAspect="1"/>
+          </p:cNvPicPr>
+          <p:nvPr/>
+        </p:nvPicPr>
+        <p:blipFill>
+          <a:blip r:embed="rId3"/>
+          <a:stretch>
+            <a:fillRect/>
+          </a:stretch>
+        </p:blipFill>
+        <p:spPr>
+          <a:xfrm>
+            <a:off x="5281937" y="1514007"/>
+            <a:ext cx="2887517" cy="4424111"/>
+          </a:xfrm>
+          <a:prstGeom prst="rect">
+            <a:avLst/>
+          </a:prstGeom>
+        </p:spPr>
+      </p:pic>
+      <p:cxnSp>
+        <p:nvCxnSpPr>
+          <p:cNvPr id="9" name="직선 화살표 연결선 8"/>
+          <p:cNvCxnSpPr/>
+          <p:nvPr/>
+        </p:nvCxnSpPr>
+        <p:spPr>
+          <a:xfrm>
+            <a:off x="3582649" y="3530183"/>
+            <a:ext cx="1528997" cy="0"/>
+          </a:xfrm>
+          <a:prstGeom prst="straightConnector1">
+            <a:avLst/>
+          </a:prstGeom>
+          <a:ln>
+            <a:tailEnd type="triangle"/>
+          </a:ln>
+        </p:spPr>
+        <p:style>
+          <a:lnRef idx="1">
+            <a:schemeClr val="accent1"/>
+          </a:lnRef>
+          <a:fillRef idx="0">
+            <a:schemeClr val="accent1"/>
+          </a:fillRef>
+          <a:effectRef idx="0">
+            <a:schemeClr val="accent1"/>
+          </a:effectRef>
+          <a:fontRef idx="minor">
+            <a:schemeClr val="tx1"/>
+          </a:fontRef>
+        </p:style>
+      </p:cxnSp>
+      <p:sp>
+        <p:nvSpPr>
+          <p:cNvPr id="10" name="TextBox 9"/>
+          <p:cNvSpPr txBox="1"/>
+          <p:nvPr/>
+        </p:nvSpPr>
+        <p:spPr>
+          <a:xfrm>
+            <a:off x="3350299" y="6305477"/>
+            <a:ext cx="3409908" cy="415498"/>
+          </a:xfrm>
+          <a:prstGeom prst="rect">
+            <a:avLst/>
+          </a:prstGeom>
+          <a:noFill/>
+        </p:spPr>
+        <p:txBody>
+          <a:bodyPr wrap="none" rtlCol="0">
+            <a:spAutoFit/>
+          </a:bodyPr>
+          <a:lstStyle/>
+          <a:p>
+            <a:pPr>
+              <a:lnSpc>
+                <a:spcPct val="150000"/>
+              </a:lnSpc>
+            </a:pPr>
+            <a:r>
+              <a:rPr lang="ko-KR" altLang="en-US" sz="1400" dirty="0" smtClean="0"/>
+              <a:t>배경색 전체 영역으로</a:t>
+            </a:r>
+            <a:r>
+              <a:rPr lang="en-US" altLang="ko-KR" sz="1400" dirty="0"/>
+              <a:t> </a:t>
+            </a:r>
+            <a:r>
+              <a:rPr lang="ko-KR" altLang="en-US" sz="1400" dirty="0" smtClean="0"/>
+              <a:t>적용</a:t>
+            </a:r>
+            <a:r>
+              <a:rPr lang="en-US" altLang="ko-KR" sz="1400" dirty="0" smtClean="0"/>
+              <a:t>, </a:t>
+            </a:r>
+            <a:r>
+              <a:rPr lang="ko-KR" altLang="en-US" sz="1400" dirty="0" smtClean="0"/>
+              <a:t>아이콘 수정</a:t>
+            </a:r>
+            <a:endParaRPr lang="en-US" altLang="ko-KR" sz="1400" dirty="0" smtClean="0"/>
+          </a:p>
+        </p:txBody>
+      </p:sp>
+      <p:cxnSp>
+        <p:nvCxnSpPr>
+          <p:cNvPr id="12" name="직선 화살표 연결선 11"/>
+          <p:cNvCxnSpPr/>
+          <p:nvPr/>
+        </p:nvCxnSpPr>
+        <p:spPr>
+          <a:xfrm flipH="1" flipV="1">
+            <a:off x="2990538" y="5486400"/>
+            <a:ext cx="592111" cy="609383"/>
+          </a:xfrm>
+          <a:prstGeom prst="straightConnector1">
+            <a:avLst/>
+          </a:prstGeom>
+          <a:ln>
+            <a:tailEnd type="triangle"/>
+          </a:ln>
+        </p:spPr>
+        <p:style>
+          <a:lnRef idx="1">
+            <a:schemeClr val="accent1"/>
+          </a:lnRef>
+          <a:fillRef idx="0">
+            <a:schemeClr val="accent1"/>
+          </a:fillRef>
+          <a:effectRef idx="0">
+            <a:schemeClr val="accent1"/>
+          </a:effectRef>
+          <a:fontRef idx="minor">
+            <a:schemeClr val="tx1"/>
+          </a:fontRef>
+        </p:style>
+      </p:cxnSp>
+    </p:spTree>
+    <p:extLst>
+      <p:ext uri="{BB962C8B-B14F-4D97-AF65-F5344CB8AC3E}">
+        <p14:creationId xmlns:p14="http://schemas.microsoft.com/office/powerpoint/2010/main" val="3743391836"/>
+      </p:ext>
+    </p:extLst>
+  </p:cSld>
+  <p:clrMapOvr>
+    <a:masterClrMapping/>
+  </p:clrMapOvr>
+</p:sld>
+</file>
+
 <file path=ppt/theme/theme1.xml><?xml version="1.0" encoding="utf-8"?>
 <a:theme xmlns:a="http://schemas.openxmlformats.org/drawingml/2006/main" name="Office 테마">
   <a:themeElements>

--- a/ppt/03-29.pptx
+++ b/ppt/03-29.pptx
@@ -7,6 +7,8 @@
   <p:sldIdLst>
     <p:sldId id="257" r:id="rId2"/>
     <p:sldId id="258" r:id="rId3"/>
+    <p:sldId id="260" r:id="rId4"/>
+    <p:sldId id="259" r:id="rId5"/>
   </p:sldIdLst>
   <p:sldSz cx="12192000" cy="6858000"/>
   <p:notesSz cx="6858000" cy="9144000"/>
@@ -3330,6 +3332,812 @@
 </p:sld>
 </file>
 
+<file path=ppt/slides/slide3.xml><?xml version="1.0" encoding="utf-8"?>
+<p:sld xmlns:a="http://schemas.openxmlformats.org/drawingml/2006/main" xmlns:r="http://schemas.openxmlformats.org/officeDocument/2006/relationships" xmlns:p="http://schemas.openxmlformats.org/presentationml/2006/main">
+  <p:cSld>
+    <p:spTree>
+      <p:nvGrpSpPr>
+        <p:cNvPr id="1" name=""/>
+        <p:cNvGrpSpPr/>
+        <p:nvPr/>
+      </p:nvGrpSpPr>
+      <p:grpSpPr>
+        <a:xfrm>
+          <a:off x="0" y="0"/>
+          <a:ext cx="0" cy="0"/>
+          <a:chOff x="0" y="0"/>
+          <a:chExt cx="0" cy="0"/>
+        </a:xfrm>
+      </p:grpSpPr>
+      <p:sp>
+        <p:nvSpPr>
+          <p:cNvPr id="11" name="TextBox 10"/>
+          <p:cNvSpPr txBox="1"/>
+          <p:nvPr/>
+        </p:nvSpPr>
+        <p:spPr>
+          <a:xfrm>
+            <a:off x="607101" y="352269"/>
+            <a:ext cx="1189749" cy="369332"/>
+          </a:xfrm>
+          <a:prstGeom prst="rect">
+            <a:avLst/>
+          </a:prstGeom>
+          <a:noFill/>
+        </p:spPr>
+        <p:txBody>
+          <a:bodyPr wrap="none" rtlCol="0">
+            <a:spAutoFit/>
+          </a:bodyPr>
+          <a:lstStyle/>
+          <a:p>
+            <a:r>
+              <a:rPr lang="ko-KR" altLang="en-US" dirty="0" smtClean="0"/>
+              <a:t>날씨 관련</a:t>
+            </a:r>
+            <a:endParaRPr lang="ko-KR" altLang="en-US" dirty="0"/>
+          </a:p>
+        </p:txBody>
+      </p:sp>
+      <p:pic>
+        <p:nvPicPr>
+          <p:cNvPr id="5" name="그림 4"/>
+          <p:cNvPicPr>
+            <a:picLocks noChangeAspect="1"/>
+          </p:cNvPicPr>
+          <p:nvPr/>
+        </p:nvPicPr>
+        <p:blipFill>
+          <a:blip r:embed="rId2"/>
+          <a:stretch>
+            <a:fillRect/>
+          </a:stretch>
+        </p:blipFill>
+        <p:spPr>
+          <a:xfrm>
+            <a:off x="691796" y="1190709"/>
+            <a:ext cx="2210108" cy="1028844"/>
+          </a:xfrm>
+          <a:prstGeom prst="rect">
+            <a:avLst/>
+          </a:prstGeom>
+        </p:spPr>
+      </p:pic>
+      <p:cxnSp>
+        <p:nvCxnSpPr>
+          <p:cNvPr id="8" name="직선 화살표 연결선 7"/>
+          <p:cNvCxnSpPr/>
+          <p:nvPr/>
+        </p:nvCxnSpPr>
+        <p:spPr>
+          <a:xfrm flipV="1">
+            <a:off x="1506511" y="2001187"/>
+            <a:ext cx="0" cy="779488"/>
+          </a:xfrm>
+          <a:prstGeom prst="straightConnector1">
+            <a:avLst/>
+          </a:prstGeom>
+          <a:ln>
+            <a:tailEnd type="triangle"/>
+          </a:ln>
+        </p:spPr>
+        <p:style>
+          <a:lnRef idx="1">
+            <a:schemeClr val="accent1"/>
+          </a:lnRef>
+          <a:fillRef idx="0">
+            <a:schemeClr val="accent1"/>
+          </a:fillRef>
+          <a:effectRef idx="0">
+            <a:schemeClr val="accent1"/>
+          </a:effectRef>
+          <a:fontRef idx="minor">
+            <a:schemeClr val="tx1"/>
+          </a:fontRef>
+        </p:style>
+      </p:cxnSp>
+      <p:sp>
+        <p:nvSpPr>
+          <p:cNvPr id="13" name="TextBox 12"/>
+          <p:cNvSpPr txBox="1"/>
+          <p:nvPr/>
+        </p:nvSpPr>
+        <p:spPr>
+          <a:xfrm>
+            <a:off x="292305" y="3097582"/>
+            <a:ext cx="4948791" cy="738664"/>
+          </a:xfrm>
+          <a:prstGeom prst="rect">
+            <a:avLst/>
+          </a:prstGeom>
+          <a:noFill/>
+        </p:spPr>
+        <p:txBody>
+          <a:bodyPr wrap="none" rtlCol="0">
+            <a:spAutoFit/>
+          </a:bodyPr>
+          <a:lstStyle/>
+          <a:p>
+            <a:pPr>
+              <a:lnSpc>
+                <a:spcPct val="150000"/>
+              </a:lnSpc>
+            </a:pPr>
+            <a:r>
+              <a:rPr lang="ko-KR" altLang="en-US" sz="1400" dirty="0" smtClean="0"/>
+              <a:t>이 부분 </a:t>
+            </a:r>
+            <a:r>
+              <a:rPr lang="en-US" altLang="ko-KR" sz="1400" dirty="0" smtClean="0"/>
+              <a:t>css</a:t>
+            </a:r>
+            <a:r>
+              <a:rPr lang="ko-KR" altLang="en-US" sz="1400" dirty="0" smtClean="0"/>
+              <a:t>에서 </a:t>
+            </a:r>
+            <a:r>
+              <a:rPr lang="ko-KR" altLang="en-US" sz="1400" dirty="0" err="1" smtClean="0"/>
+              <a:t>클래스명</a:t>
+            </a:r>
+            <a:r>
+              <a:rPr lang="ko-KR" altLang="en-US" sz="1400" dirty="0" smtClean="0"/>
+              <a:t> 잘못 넣어서 위치 값</a:t>
+            </a:r>
+            <a:endParaRPr lang="en-US" altLang="ko-KR" sz="1400" dirty="0" smtClean="0"/>
+          </a:p>
+          <a:p>
+            <a:pPr>
+              <a:lnSpc>
+                <a:spcPct val="150000"/>
+              </a:lnSpc>
+            </a:pPr>
+            <a:r>
+              <a:rPr lang="ko-KR" altLang="en-US" sz="1400" dirty="0" smtClean="0"/>
+              <a:t>잘못 잡고 있었어요</a:t>
+            </a:r>
+            <a:r>
+              <a:rPr lang="en-US" altLang="ko-KR" sz="1400" dirty="0" smtClean="0"/>
+              <a:t>. </a:t>
+            </a:r>
+            <a:r>
+              <a:rPr lang="ko-KR" altLang="en-US" sz="1400" dirty="0" smtClean="0"/>
+              <a:t>수정했는데 지금도 이상한지 봐주세요</a:t>
+            </a:r>
+            <a:r>
+              <a:rPr lang="en-US" altLang="ko-KR" sz="1400" dirty="0" smtClean="0"/>
+              <a:t>.</a:t>
+            </a:r>
+            <a:endParaRPr lang="en-US" altLang="ko-KR" sz="1400" dirty="0" smtClean="0"/>
+          </a:p>
+        </p:txBody>
+      </p:sp>
+      <p:pic>
+        <p:nvPicPr>
+          <p:cNvPr id="15" name="그림 14"/>
+          <p:cNvPicPr>
+            <a:picLocks noChangeAspect="1"/>
+          </p:cNvPicPr>
+          <p:nvPr/>
+        </p:nvPicPr>
+        <p:blipFill>
+          <a:blip r:embed="rId3"/>
+          <a:stretch>
+            <a:fillRect/>
+          </a:stretch>
+        </p:blipFill>
+        <p:spPr>
+          <a:xfrm>
+            <a:off x="7066184" y="638086"/>
+            <a:ext cx="3905795" cy="1752845"/>
+          </a:xfrm>
+          <a:prstGeom prst="rect">
+            <a:avLst/>
+          </a:prstGeom>
+        </p:spPr>
+      </p:pic>
+      <p:pic>
+        <p:nvPicPr>
+          <p:cNvPr id="17" name="그림 16"/>
+          <p:cNvPicPr>
+            <a:picLocks noChangeAspect="1"/>
+          </p:cNvPicPr>
+          <p:nvPr/>
+        </p:nvPicPr>
+        <p:blipFill>
+          <a:blip r:embed="rId4"/>
+          <a:stretch>
+            <a:fillRect/>
+          </a:stretch>
+        </p:blipFill>
+        <p:spPr>
+          <a:xfrm>
+            <a:off x="7298602" y="3044469"/>
+            <a:ext cx="1609950" cy="447737"/>
+          </a:xfrm>
+          <a:prstGeom prst="rect">
+            <a:avLst/>
+          </a:prstGeom>
+        </p:spPr>
+      </p:pic>
+      <p:pic>
+        <p:nvPicPr>
+          <p:cNvPr id="18" name="그림 17"/>
+          <p:cNvPicPr>
+            <a:picLocks noChangeAspect="1"/>
+          </p:cNvPicPr>
+          <p:nvPr/>
+        </p:nvPicPr>
+        <p:blipFill>
+          <a:blip r:embed="rId5"/>
+          <a:stretch>
+            <a:fillRect/>
+          </a:stretch>
+        </p:blipFill>
+        <p:spPr>
+          <a:xfrm>
+            <a:off x="7298602" y="2566332"/>
+            <a:ext cx="4010585" cy="428685"/>
+          </a:xfrm>
+          <a:prstGeom prst="rect">
+            <a:avLst/>
+          </a:prstGeom>
+        </p:spPr>
+      </p:pic>
+      <p:cxnSp>
+        <p:nvCxnSpPr>
+          <p:cNvPr id="10" name="직선 화살표 연결선 9"/>
+          <p:cNvCxnSpPr/>
+          <p:nvPr/>
+        </p:nvCxnSpPr>
+        <p:spPr>
+          <a:xfrm flipV="1">
+            <a:off x="9513757" y="3268337"/>
+            <a:ext cx="0" cy="779488"/>
+          </a:xfrm>
+          <a:prstGeom prst="straightConnector1">
+            <a:avLst/>
+          </a:prstGeom>
+          <a:ln>
+            <a:tailEnd type="triangle"/>
+          </a:ln>
+        </p:spPr>
+        <p:style>
+          <a:lnRef idx="1">
+            <a:schemeClr val="accent1"/>
+          </a:lnRef>
+          <a:fillRef idx="0">
+            <a:schemeClr val="accent1"/>
+          </a:fillRef>
+          <a:effectRef idx="0">
+            <a:schemeClr val="accent1"/>
+          </a:effectRef>
+          <a:fontRef idx="minor">
+            <a:schemeClr val="tx1"/>
+          </a:fontRef>
+        </p:style>
+      </p:cxnSp>
+      <p:sp>
+        <p:nvSpPr>
+          <p:cNvPr id="12" name="TextBox 11"/>
+          <p:cNvSpPr txBox="1"/>
+          <p:nvPr/>
+        </p:nvSpPr>
+        <p:spPr>
+          <a:xfrm>
+            <a:off x="7651375" y="4224679"/>
+            <a:ext cx="3658374" cy="373885"/>
+          </a:xfrm>
+          <a:prstGeom prst="rect">
+            <a:avLst/>
+          </a:prstGeom>
+          <a:noFill/>
+        </p:spPr>
+        <p:txBody>
+          <a:bodyPr wrap="none" rtlCol="0">
+            <a:spAutoFit/>
+          </a:bodyPr>
+          <a:lstStyle/>
+          <a:p>
+            <a:pPr>
+              <a:lnSpc>
+                <a:spcPct val="150000"/>
+              </a:lnSpc>
+            </a:pPr>
+            <a:r>
+              <a:rPr lang="ko-KR" altLang="en-US" sz="1400" dirty="0" smtClean="0"/>
+              <a:t>날씨에 아이콘 추가 </a:t>
+            </a:r>
+            <a:r>
+              <a:rPr lang="en-US" altLang="ko-KR" sz="1400" dirty="0" smtClean="0"/>
+              <a:t>(</a:t>
+            </a:r>
+            <a:r>
+              <a:rPr lang="ko-KR" altLang="en-US" sz="1400" dirty="0" smtClean="0"/>
+              <a:t>메인 </a:t>
+            </a:r>
+            <a:r>
+              <a:rPr lang="ko-KR" altLang="en-US" sz="1400" dirty="0" err="1" smtClean="0"/>
+              <a:t>주간날씨와</a:t>
+            </a:r>
+            <a:r>
+              <a:rPr lang="ko-KR" altLang="en-US" sz="1400" dirty="0" smtClean="0"/>
+              <a:t> 동일</a:t>
+            </a:r>
+            <a:r>
+              <a:rPr lang="en-US" altLang="ko-KR" sz="1400" dirty="0" smtClean="0"/>
+              <a:t>)</a:t>
+            </a:r>
+          </a:p>
+        </p:txBody>
+      </p:sp>
+      <p:pic>
+        <p:nvPicPr>
+          <p:cNvPr id="2" name="그림 1"/>
+          <p:cNvPicPr>
+            <a:picLocks noChangeAspect="1"/>
+          </p:cNvPicPr>
+          <p:nvPr/>
+        </p:nvPicPr>
+        <p:blipFill>
+          <a:blip r:embed="rId6"/>
+          <a:stretch>
+            <a:fillRect/>
+          </a:stretch>
+        </p:blipFill>
+        <p:spPr>
+          <a:xfrm>
+            <a:off x="7464124" y="4722222"/>
+            <a:ext cx="3934374" cy="1286054"/>
+          </a:xfrm>
+          <a:prstGeom prst="rect">
+            <a:avLst/>
+          </a:prstGeom>
+        </p:spPr>
+      </p:pic>
+      <p:cxnSp>
+        <p:nvCxnSpPr>
+          <p:cNvPr id="4" name="직선 연결선 3"/>
+          <p:cNvCxnSpPr/>
+          <p:nvPr/>
+        </p:nvCxnSpPr>
+        <p:spPr>
+          <a:xfrm>
+            <a:off x="9766092" y="5134131"/>
+            <a:ext cx="921895" cy="0"/>
+          </a:xfrm>
+          <a:prstGeom prst="line">
+            <a:avLst/>
+          </a:prstGeom>
+        </p:spPr>
+        <p:style>
+          <a:lnRef idx="3">
+            <a:schemeClr val="accent2"/>
+          </a:lnRef>
+          <a:fillRef idx="0">
+            <a:schemeClr val="accent2"/>
+          </a:fillRef>
+          <a:effectRef idx="2">
+            <a:schemeClr val="accent2"/>
+          </a:effectRef>
+          <a:fontRef idx="minor">
+            <a:schemeClr val="tx1"/>
+          </a:fontRef>
+        </p:style>
+      </p:cxnSp>
+      <p:sp>
+        <p:nvSpPr>
+          <p:cNvPr id="16" name="TextBox 15"/>
+          <p:cNvSpPr txBox="1"/>
+          <p:nvPr/>
+        </p:nvSpPr>
+        <p:spPr>
+          <a:xfrm>
+            <a:off x="9253359" y="6284260"/>
+            <a:ext cx="2145139" cy="415498"/>
+          </a:xfrm>
+          <a:prstGeom prst="rect">
+            <a:avLst/>
+          </a:prstGeom>
+          <a:noFill/>
+        </p:spPr>
+        <p:txBody>
+          <a:bodyPr wrap="none" rtlCol="0">
+            <a:spAutoFit/>
+          </a:bodyPr>
+          <a:lstStyle/>
+          <a:p>
+            <a:pPr>
+              <a:lnSpc>
+                <a:spcPct val="150000"/>
+              </a:lnSpc>
+            </a:pPr>
+            <a:r>
+              <a:rPr lang="ko-KR" altLang="en-US" sz="1400" dirty="0" err="1" smtClean="0"/>
+              <a:t>클래스명</a:t>
+            </a:r>
+            <a:r>
+              <a:rPr lang="ko-KR" altLang="en-US" sz="1400" dirty="0" smtClean="0"/>
+              <a:t> 추가해 주세요</a:t>
+            </a:r>
+            <a:r>
+              <a:rPr lang="en-US" altLang="ko-KR" sz="1400" dirty="0" smtClean="0"/>
+              <a:t>.</a:t>
+            </a:r>
+          </a:p>
+        </p:txBody>
+      </p:sp>
+      <p:pic>
+        <p:nvPicPr>
+          <p:cNvPr id="6" name="그림 5"/>
+          <p:cNvPicPr>
+            <a:picLocks noChangeAspect="1"/>
+          </p:cNvPicPr>
+          <p:nvPr/>
+        </p:nvPicPr>
+        <p:blipFill>
+          <a:blip r:embed="rId7"/>
+          <a:stretch>
+            <a:fillRect/>
+          </a:stretch>
+        </p:blipFill>
+        <p:spPr>
+          <a:xfrm>
+            <a:off x="3531120" y="4299832"/>
+            <a:ext cx="3419952" cy="2295845"/>
+          </a:xfrm>
+          <a:prstGeom prst="rect">
+            <a:avLst/>
+          </a:prstGeom>
+        </p:spPr>
+      </p:pic>
+      <p:cxnSp>
+        <p:nvCxnSpPr>
+          <p:cNvPr id="20" name="직선 화살표 연결선 19"/>
+          <p:cNvCxnSpPr/>
+          <p:nvPr/>
+        </p:nvCxnSpPr>
+        <p:spPr>
+          <a:xfrm flipH="1">
+            <a:off x="6610662" y="3590144"/>
+            <a:ext cx="764499" cy="1394086"/>
+          </a:xfrm>
+          <a:prstGeom prst="straightConnector1">
+            <a:avLst/>
+          </a:prstGeom>
+          <a:ln>
+            <a:headEnd type="triangle"/>
+            <a:tailEnd type="triangle"/>
+          </a:ln>
+        </p:spPr>
+        <p:style>
+          <a:lnRef idx="1">
+            <a:schemeClr val="accent1"/>
+          </a:lnRef>
+          <a:fillRef idx="0">
+            <a:schemeClr val="accent1"/>
+          </a:fillRef>
+          <a:effectRef idx="0">
+            <a:schemeClr val="accent1"/>
+          </a:effectRef>
+          <a:fontRef idx="minor">
+            <a:schemeClr val="tx1"/>
+          </a:fontRef>
+        </p:style>
+      </p:cxnSp>
+      <p:cxnSp>
+        <p:nvCxnSpPr>
+          <p:cNvPr id="22" name="직선 화살표 연결선 21"/>
+          <p:cNvCxnSpPr/>
+          <p:nvPr/>
+        </p:nvCxnSpPr>
+        <p:spPr>
+          <a:xfrm flipV="1">
+            <a:off x="10687987" y="5277487"/>
+            <a:ext cx="0" cy="854447"/>
+          </a:xfrm>
+          <a:prstGeom prst="straightConnector1">
+            <a:avLst/>
+          </a:prstGeom>
+          <a:ln>
+            <a:tailEnd type="triangle"/>
+          </a:ln>
+        </p:spPr>
+        <p:style>
+          <a:lnRef idx="1">
+            <a:schemeClr val="accent1"/>
+          </a:lnRef>
+          <a:fillRef idx="0">
+            <a:schemeClr val="accent1"/>
+          </a:fillRef>
+          <a:effectRef idx="0">
+            <a:schemeClr val="accent1"/>
+          </a:effectRef>
+          <a:fontRef idx="minor">
+            <a:schemeClr val="tx1"/>
+          </a:fontRef>
+        </p:style>
+      </p:cxnSp>
+    </p:spTree>
+    <p:extLst>
+      <p:ext uri="{BB962C8B-B14F-4D97-AF65-F5344CB8AC3E}">
+        <p14:creationId xmlns:p14="http://schemas.microsoft.com/office/powerpoint/2010/main" val="4247113571"/>
+      </p:ext>
+    </p:extLst>
+  </p:cSld>
+  <p:clrMapOvr>
+    <a:masterClrMapping/>
+  </p:clrMapOvr>
+</p:sld>
+</file>
+
+<file path=ppt/slides/slide4.xml><?xml version="1.0" encoding="utf-8"?>
+<p:sld xmlns:a="http://schemas.openxmlformats.org/drawingml/2006/main" xmlns:r="http://schemas.openxmlformats.org/officeDocument/2006/relationships" xmlns:p="http://schemas.openxmlformats.org/presentationml/2006/main">
+  <p:cSld>
+    <p:spTree>
+      <p:nvGrpSpPr>
+        <p:cNvPr id="1" name=""/>
+        <p:cNvGrpSpPr/>
+        <p:nvPr/>
+      </p:nvGrpSpPr>
+      <p:grpSpPr>
+        <a:xfrm>
+          <a:off x="0" y="0"/>
+          <a:ext cx="0" cy="0"/>
+          <a:chOff x="0" y="0"/>
+          <a:chExt cx="0" cy="0"/>
+        </a:xfrm>
+      </p:grpSpPr>
+      <p:sp>
+        <p:nvSpPr>
+          <p:cNvPr id="19" name="TextBox 18"/>
+          <p:cNvSpPr txBox="1"/>
+          <p:nvPr/>
+        </p:nvSpPr>
+        <p:spPr>
+          <a:xfrm>
+            <a:off x="607101" y="352269"/>
+            <a:ext cx="1842171" cy="369332"/>
+          </a:xfrm>
+          <a:prstGeom prst="rect">
+            <a:avLst/>
+          </a:prstGeom>
+          <a:noFill/>
+        </p:spPr>
+        <p:txBody>
+          <a:bodyPr wrap="none" rtlCol="0">
+            <a:spAutoFit/>
+          </a:bodyPr>
+          <a:lstStyle/>
+          <a:p>
+            <a:r>
+              <a:rPr lang="en-US" altLang="ko-KR" dirty="0"/>
+              <a:t>UI-SJN-07-001P</a:t>
+            </a:r>
+            <a:endParaRPr lang="ko-KR" altLang="en-US" dirty="0"/>
+          </a:p>
+        </p:txBody>
+      </p:sp>
+      <p:pic>
+        <p:nvPicPr>
+          <p:cNvPr id="20" name="그림 19"/>
+          <p:cNvPicPr>
+            <a:picLocks noChangeAspect="1"/>
+          </p:cNvPicPr>
+          <p:nvPr/>
+        </p:nvPicPr>
+        <p:blipFill>
+          <a:blip r:embed="rId2"/>
+          <a:stretch>
+            <a:fillRect/>
+          </a:stretch>
+        </p:blipFill>
+        <p:spPr>
+          <a:xfrm>
+            <a:off x="607101" y="1063030"/>
+            <a:ext cx="2750696" cy="2634373"/>
+          </a:xfrm>
+          <a:prstGeom prst="rect">
+            <a:avLst/>
+          </a:prstGeom>
+        </p:spPr>
+      </p:pic>
+      <p:pic>
+        <p:nvPicPr>
+          <p:cNvPr id="21" name="그림 20"/>
+          <p:cNvPicPr>
+            <a:picLocks noChangeAspect="1"/>
+          </p:cNvPicPr>
+          <p:nvPr/>
+        </p:nvPicPr>
+        <p:blipFill>
+          <a:blip r:embed="rId3"/>
+          <a:stretch>
+            <a:fillRect/>
+          </a:stretch>
+        </p:blipFill>
+        <p:spPr>
+          <a:xfrm>
+            <a:off x="3778434" y="1286539"/>
+            <a:ext cx="3705742" cy="1676634"/>
+          </a:xfrm>
+          <a:prstGeom prst="rect">
+            <a:avLst/>
+          </a:prstGeom>
+        </p:spPr>
+      </p:pic>
+      <p:pic>
+        <p:nvPicPr>
+          <p:cNvPr id="22" name="그림 21"/>
+          <p:cNvPicPr>
+            <a:picLocks noChangeAspect="1"/>
+          </p:cNvPicPr>
+          <p:nvPr/>
+        </p:nvPicPr>
+        <p:blipFill>
+          <a:blip r:embed="rId4"/>
+          <a:stretch>
+            <a:fillRect/>
+          </a:stretch>
+        </p:blipFill>
+        <p:spPr>
+          <a:xfrm>
+            <a:off x="7904813" y="1063030"/>
+            <a:ext cx="3410426" cy="3972479"/>
+          </a:xfrm>
+          <a:prstGeom prst="rect">
+            <a:avLst/>
+          </a:prstGeom>
+        </p:spPr>
+      </p:pic>
+      <p:sp>
+        <p:nvSpPr>
+          <p:cNvPr id="23" name="TextBox 22"/>
+          <p:cNvSpPr txBox="1"/>
+          <p:nvPr/>
+        </p:nvSpPr>
+        <p:spPr>
+          <a:xfrm>
+            <a:off x="7487489" y="5437316"/>
+            <a:ext cx="4245073" cy="697050"/>
+          </a:xfrm>
+          <a:prstGeom prst="rect">
+            <a:avLst/>
+          </a:prstGeom>
+          <a:noFill/>
+        </p:spPr>
+        <p:txBody>
+          <a:bodyPr wrap="none" rtlCol="0">
+            <a:spAutoFit/>
+          </a:bodyPr>
+          <a:lstStyle/>
+          <a:p>
+            <a:pPr>
+              <a:lnSpc>
+                <a:spcPct val="150000"/>
+              </a:lnSpc>
+            </a:pPr>
+            <a:r>
+              <a:rPr lang="ko-KR" altLang="en-US" sz="1400" dirty="0" smtClean="0"/>
+              <a:t>죄송합니다</a:t>
+            </a:r>
+            <a:r>
+              <a:rPr lang="en-US" altLang="ko-KR" sz="1400" dirty="0" smtClean="0"/>
+              <a:t>. </a:t>
+            </a:r>
+            <a:r>
+              <a:rPr lang="ko-KR" altLang="en-US" sz="1400" dirty="0" err="1" smtClean="0"/>
+              <a:t>아이콘하고</a:t>
+            </a:r>
+            <a:r>
+              <a:rPr lang="ko-KR" altLang="en-US" sz="1400" dirty="0" smtClean="0"/>
+              <a:t> </a:t>
+            </a:r>
+            <a:r>
+              <a:rPr lang="ko-KR" altLang="en-US" sz="1400" dirty="0" err="1" smtClean="0"/>
+              <a:t>클래스명</a:t>
+            </a:r>
+            <a:r>
+              <a:rPr lang="ko-KR" altLang="en-US" sz="1400" dirty="0" smtClean="0"/>
+              <a:t> 동일하게 하려고</a:t>
+            </a:r>
+            <a:endParaRPr lang="en-US" altLang="ko-KR" sz="1400" dirty="0" smtClean="0"/>
+          </a:p>
+          <a:p>
+            <a:pPr>
+              <a:lnSpc>
+                <a:spcPct val="150000"/>
+              </a:lnSpc>
+            </a:pPr>
+            <a:r>
+              <a:rPr lang="ko-KR" altLang="en-US" sz="1400" dirty="0" smtClean="0"/>
+              <a:t>이름을 변경했습니다</a:t>
+            </a:r>
+            <a:r>
+              <a:rPr lang="en-US" altLang="ko-KR" sz="1400" dirty="0" smtClean="0"/>
+              <a:t>.</a:t>
+            </a:r>
+          </a:p>
+        </p:txBody>
+      </p:sp>
+      <p:cxnSp>
+        <p:nvCxnSpPr>
+          <p:cNvPr id="25" name="직선 화살표 연결선 24"/>
+          <p:cNvCxnSpPr/>
+          <p:nvPr/>
+        </p:nvCxnSpPr>
+        <p:spPr>
+          <a:xfrm flipH="1" flipV="1">
+            <a:off x="9466289" y="3049269"/>
+            <a:ext cx="914401" cy="2226084"/>
+          </a:xfrm>
+          <a:prstGeom prst="straightConnector1">
+            <a:avLst/>
+          </a:prstGeom>
+          <a:ln>
+            <a:tailEnd type="triangle"/>
+          </a:ln>
+        </p:spPr>
+        <p:style>
+          <a:lnRef idx="1">
+            <a:schemeClr val="accent1"/>
+          </a:lnRef>
+          <a:fillRef idx="0">
+            <a:schemeClr val="accent1"/>
+          </a:fillRef>
+          <a:effectRef idx="0">
+            <a:schemeClr val="accent1"/>
+          </a:effectRef>
+          <a:fontRef idx="minor">
+            <a:schemeClr val="tx1"/>
+          </a:fontRef>
+        </p:style>
+      </p:cxnSp>
+      <p:cxnSp>
+        <p:nvCxnSpPr>
+          <p:cNvPr id="28" name="직선 화살표 연결선 27"/>
+          <p:cNvCxnSpPr/>
+          <p:nvPr/>
+        </p:nvCxnSpPr>
+        <p:spPr>
+          <a:xfrm flipH="1" flipV="1">
+            <a:off x="9466289" y="2380216"/>
+            <a:ext cx="936886" cy="2746421"/>
+          </a:xfrm>
+          <a:prstGeom prst="straightConnector1">
+            <a:avLst/>
+          </a:prstGeom>
+          <a:ln>
+            <a:tailEnd type="triangle"/>
+          </a:ln>
+        </p:spPr>
+        <p:style>
+          <a:lnRef idx="1">
+            <a:schemeClr val="accent1"/>
+          </a:lnRef>
+          <a:fillRef idx="0">
+            <a:schemeClr val="accent1"/>
+          </a:fillRef>
+          <a:effectRef idx="0">
+            <a:schemeClr val="accent1"/>
+          </a:effectRef>
+          <a:fontRef idx="minor">
+            <a:schemeClr val="tx1"/>
+          </a:fontRef>
+        </p:style>
+      </p:cxnSp>
+    </p:spTree>
+    <p:extLst>
+      <p:ext uri="{BB962C8B-B14F-4D97-AF65-F5344CB8AC3E}">
+        <p14:creationId xmlns:p14="http://schemas.microsoft.com/office/powerpoint/2010/main" val="3106895368"/>
+      </p:ext>
+    </p:extLst>
+  </p:cSld>
+  <p:clrMapOvr>
+    <a:masterClrMapping/>
+  </p:clrMapOvr>
+</p:sld>
+</file>
+
 <file path=ppt/theme/theme1.xml><?xml version="1.0" encoding="utf-8"?>
 <a:theme xmlns:a="http://schemas.openxmlformats.org/drawingml/2006/main" name="Office 테마">
   <a:themeElements>
